--- a/Week02/day-05/Demo.pptx
+++ b/Week02/day-05/Demo.pptx
@@ -6,6 +6,18 @@
   </p:sldMasterIdLst>
   <p:sldIdLst>
     <p:sldId id="256" r:id="rId2"/>
+    <p:sldId id="257" r:id="rId3"/>
+    <p:sldId id="260" r:id="rId4"/>
+    <p:sldId id="259" r:id="rId5"/>
+    <p:sldId id="258" r:id="rId6"/>
+    <p:sldId id="261" r:id="rId7"/>
+    <p:sldId id="262" r:id="rId8"/>
+    <p:sldId id="263" r:id="rId9"/>
+    <p:sldId id="264" r:id="rId10"/>
+    <p:sldId id="265" r:id="rId11"/>
+    <p:sldId id="268" r:id="rId12"/>
+    <p:sldId id="266" r:id="rId13"/>
+    <p:sldId id="267" r:id="rId14"/>
   </p:sldIdLst>
   <p:sldSz cx="9144000" cy="6858000" type="screen4x3"/>
   <p:notesSz cx="6858000" cy="9144000"/>
@@ -244,6 +256,7 @@
           <a:p>
             <a:fld id="{7D2B3880-049A-4678-9ACE-2F637E71BA50}" type="datetimeFigureOut">
               <a:rPr lang="hu-HU" smtClean="0"/>
+              <a:pPr/>
               <a:t>2018. 02. 22.</a:t>
             </a:fld>
             <a:endParaRPr lang="hu-HU"/>
@@ -990,6 +1003,7 @@
           <a:p>
             <a:fld id="{599D2C95-0E59-4A1C-B447-002D1E13FFF4}" type="slidenum">
               <a:rPr lang="hu-HU" smtClean="0"/>
+              <a:pPr/>
               <a:t>‹#›</a:t>
             </a:fld>
             <a:endParaRPr lang="hu-HU"/>
@@ -1113,6 +1127,7 @@
           <a:p>
             <a:fld id="{7D2B3880-049A-4678-9ACE-2F637E71BA50}" type="datetimeFigureOut">
               <a:rPr lang="hu-HU" smtClean="0"/>
+              <a:pPr/>
               <a:t>2018. 02. 22.</a:t>
             </a:fld>
             <a:endParaRPr lang="hu-HU"/>
@@ -1155,6 +1170,7 @@
           <a:p>
             <a:fld id="{599D2C95-0E59-4A1C-B447-002D1E13FFF4}" type="slidenum">
               <a:rPr lang="hu-HU" smtClean="0"/>
+              <a:pPr/>
               <a:t>‹#›</a:t>
             </a:fld>
             <a:endParaRPr lang="hu-HU"/>
@@ -1288,6 +1304,7 @@
           <a:p>
             <a:fld id="{7D2B3880-049A-4678-9ACE-2F637E71BA50}" type="datetimeFigureOut">
               <a:rPr lang="hu-HU" smtClean="0"/>
+              <a:pPr/>
               <a:t>2018. 02. 22.</a:t>
             </a:fld>
             <a:endParaRPr lang="hu-HU"/>
@@ -1330,6 +1347,7 @@
           <a:p>
             <a:fld id="{599D2C95-0E59-4A1C-B447-002D1E13FFF4}" type="slidenum">
               <a:rPr lang="hu-HU" smtClean="0"/>
+              <a:pPr/>
               <a:t>‹#›</a:t>
             </a:fld>
             <a:endParaRPr lang="hu-HU"/>
@@ -1458,6 +1476,7 @@
           <a:p>
             <a:fld id="{7D2B3880-049A-4678-9ACE-2F637E71BA50}" type="datetimeFigureOut">
               <a:rPr lang="hu-HU" smtClean="0"/>
+              <a:pPr/>
               <a:t>2018. 02. 22.</a:t>
             </a:fld>
             <a:endParaRPr lang="hu-HU"/>
@@ -1481,6 +1500,7 @@
           <a:p>
             <a:fld id="{599D2C95-0E59-4A1C-B447-002D1E13FFF4}" type="slidenum">
               <a:rPr lang="hu-HU" smtClean="0"/>
+              <a:pPr/>
               <a:t>‹#›</a:t>
             </a:fld>
             <a:endParaRPr lang="hu-HU"/>
@@ -1668,6 +1688,7 @@
           <a:p>
             <a:fld id="{7D2B3880-049A-4678-9ACE-2F637E71BA50}" type="datetimeFigureOut">
               <a:rPr lang="hu-HU" smtClean="0"/>
+              <a:pPr/>
               <a:t>2018. 02. 22.</a:t>
             </a:fld>
             <a:endParaRPr lang="hu-HU"/>
@@ -2411,6 +2432,7 @@
           <a:p>
             <a:fld id="{599D2C95-0E59-4A1C-B447-002D1E13FFF4}" type="slidenum">
               <a:rPr lang="hu-HU" smtClean="0"/>
+              <a:pPr/>
               <a:t>‹#›</a:t>
             </a:fld>
             <a:endParaRPr lang="hu-HU"/>
@@ -2482,6 +2504,7 @@
           <a:p>
             <a:fld id="{7D2B3880-049A-4678-9ACE-2F637E71BA50}" type="datetimeFigureOut">
               <a:rPr lang="hu-HU" smtClean="0"/>
+              <a:pPr/>
               <a:t>2018. 02. 22.</a:t>
             </a:fld>
             <a:endParaRPr lang="hu-HU"/>
@@ -2524,6 +2547,7 @@
           <a:p>
             <a:fld id="{599D2C95-0E59-4A1C-B447-002D1E13FFF4}" type="slidenum">
               <a:rPr lang="hu-HU" smtClean="0"/>
+              <a:pPr/>
               <a:t>‹#›</a:t>
             </a:fld>
             <a:endParaRPr lang="hu-HU"/>
@@ -2718,6 +2742,7 @@
           <a:p>
             <a:fld id="{7D2B3880-049A-4678-9ACE-2F637E71BA50}" type="datetimeFigureOut">
               <a:rPr lang="hu-HU" smtClean="0"/>
+              <a:pPr/>
               <a:t>2018. 02. 22.</a:t>
             </a:fld>
             <a:endParaRPr lang="hu-HU"/>
@@ -2760,6 +2785,7 @@
           <a:p>
             <a:fld id="{599D2C95-0E59-4A1C-B447-002D1E13FFF4}" type="slidenum">
               <a:rPr lang="hu-HU" smtClean="0"/>
+              <a:pPr/>
               <a:t>‹#›</a:t>
             </a:fld>
             <a:endParaRPr lang="hu-HU"/>
@@ -3041,6 +3067,7 @@
           <a:p>
             <a:fld id="{7D2B3880-049A-4678-9ACE-2F637E71BA50}" type="datetimeFigureOut">
               <a:rPr lang="hu-HU" smtClean="0"/>
+              <a:pPr/>
               <a:t>2018. 02. 22.</a:t>
             </a:fld>
             <a:endParaRPr lang="hu-HU"/>
@@ -3064,6 +3091,7 @@
           <a:p>
             <a:fld id="{599D2C95-0E59-4A1C-B447-002D1E13FFF4}" type="slidenum">
               <a:rPr lang="hu-HU" smtClean="0"/>
+              <a:pPr/>
               <a:t>‹#›</a:t>
             </a:fld>
             <a:endParaRPr lang="hu-HU"/>
@@ -3131,6 +3159,7 @@
           <a:p>
             <a:fld id="{7D2B3880-049A-4678-9ACE-2F637E71BA50}" type="datetimeFigureOut">
               <a:rPr lang="hu-HU" smtClean="0"/>
+              <a:pPr/>
               <a:t>2018. 02. 22.</a:t>
             </a:fld>
             <a:endParaRPr lang="hu-HU"/>
@@ -3173,6 +3202,7 @@
           <a:p>
             <a:fld id="{599D2C95-0E59-4A1C-B447-002D1E13FFF4}" type="slidenum">
               <a:rPr lang="hu-HU" smtClean="0"/>
+              <a:pPr/>
               <a:t>‹#›</a:t>
             </a:fld>
             <a:endParaRPr lang="hu-HU"/>
@@ -3648,6 +3678,7 @@
           <a:p>
             <a:fld id="{7D2B3880-049A-4678-9ACE-2F637E71BA50}" type="datetimeFigureOut">
               <a:rPr lang="hu-HU" smtClean="0"/>
+              <a:pPr/>
               <a:t>2018. 02. 22.</a:t>
             </a:fld>
             <a:endParaRPr lang="hu-HU"/>
@@ -3671,6 +3702,7 @@
           <a:p>
             <a:fld id="{599D2C95-0E59-4A1C-B447-002D1E13FFF4}" type="slidenum">
               <a:rPr lang="hu-HU" smtClean="0"/>
+              <a:pPr/>
               <a:t>‹#›</a:t>
             </a:fld>
             <a:endParaRPr lang="hu-HU"/>
@@ -4159,6 +4191,7 @@
           <a:p>
             <a:fld id="{7D2B3880-049A-4678-9ACE-2F637E71BA50}" type="datetimeFigureOut">
               <a:rPr lang="hu-HU" smtClean="0"/>
+              <a:pPr/>
               <a:t>2018. 02. 22.</a:t>
             </a:fld>
             <a:endParaRPr lang="hu-HU"/>
@@ -4182,6 +4215,7 @@
           <a:p>
             <a:fld id="{599D2C95-0E59-4A1C-B447-002D1E13FFF4}" type="slidenum">
               <a:rPr lang="hu-HU" smtClean="0"/>
+              <a:pPr/>
               <a:t>‹#›</a:t>
             </a:fld>
             <a:endParaRPr lang="hu-HU"/>
@@ -4404,6 +4438,7 @@
           <a:p>
             <a:fld id="{7D2B3880-049A-4678-9ACE-2F637E71BA50}" type="datetimeFigureOut">
               <a:rPr lang="hu-HU" smtClean="0"/>
+              <a:pPr/>
               <a:t>2018. 02. 22.</a:t>
             </a:fld>
             <a:endParaRPr lang="hu-HU"/>
@@ -4680,6 +4715,7 @@
           <a:p>
             <a:fld id="{599D2C95-0E59-4A1C-B447-002D1E13FFF4}" type="slidenum">
               <a:rPr lang="hu-HU" smtClean="0"/>
+              <a:pPr/>
               <a:t>‹#›</a:t>
             </a:fld>
             <a:endParaRPr lang="hu-HU"/>
@@ -5077,8 +5113,8 @@
         </p:nvSpPr>
         <p:spPr>
           <a:xfrm>
-            <a:off x="4429124" y="6357958"/>
-            <a:ext cx="5286412" cy="338554"/>
+            <a:off x="4429092" y="6273225"/>
+            <a:ext cx="4714908" cy="584775"/>
           </a:xfrm>
           <a:prstGeom prst="rect">
             <a:avLst/>
@@ -5091,11 +5127,29 @@
           </a:bodyPr>
           <a:lstStyle/>
           <a:p>
+            <a:pPr algn="ctr"/>
             <a:r>
               <a:rPr lang="hu-HU" sz="1600" dirty="0" smtClean="0">
                 <a:latin typeface="Bahnschrift Light" pitchFamily="34" charset="0"/>
               </a:rPr>
-              <a:t>https://github.com/greenfox-academy/szapszap</a:t>
+              <a:t>Alexandra Rujzam</a:t>
+            </a:r>
+            <a:br>
+              <a:rPr lang="hu-HU" sz="1600" dirty="0" smtClean="0">
+                <a:latin typeface="Bahnschrift Light" pitchFamily="34" charset="0"/>
+              </a:rPr>
+            </a:br>
+            <a:r>
+              <a:rPr lang="hu-HU" sz="1600" dirty="0" smtClean="0">
+                <a:latin typeface="Bahnschrift Light" pitchFamily="34" charset="0"/>
+              </a:rPr>
+              <a:t>https</a:t>
+            </a:r>
+            <a:r>
+              <a:rPr lang="hu-HU" sz="1600" dirty="0" smtClean="0">
+                <a:latin typeface="Bahnschrift Light" pitchFamily="34" charset="0"/>
+              </a:rPr>
+              <a:t>://github.com/greenfox-academy/szapszap</a:t>
             </a:r>
             <a:endParaRPr lang="hu-HU" sz="1600" dirty="0">
               <a:latin typeface="Bahnschrift Light" pitchFamily="34" charset="0"/>
@@ -5108,6 +5162,1973 @@
   <p:clrMapOvr>
     <a:masterClrMapping/>
   </p:clrMapOvr>
+  <p:timing>
+    <p:tnLst>
+      <p:par>
+        <p:cTn id="1" dur="indefinite" restart="never" nodeType="tmRoot"/>
+      </p:par>
+    </p:tnLst>
+  </p:timing>
+</p:sld>
+</file>
+
+<file path=ppt/slides/slide10.xml><?xml version="1.0" encoding="utf-8"?>
+<p:sld xmlns:a="http://schemas.openxmlformats.org/drawingml/2006/main" xmlns:r="http://schemas.openxmlformats.org/officeDocument/2006/relationships" xmlns:p="http://schemas.openxmlformats.org/presentationml/2006/main">
+  <p:cSld>
+    <p:spTree>
+      <p:nvGrpSpPr>
+        <p:cNvPr id="1" name=""/>
+        <p:cNvGrpSpPr/>
+        <p:nvPr/>
+      </p:nvGrpSpPr>
+      <p:grpSpPr>
+        <a:xfrm>
+          <a:off x="0" y="0"/>
+          <a:ext cx="0" cy="0"/>
+          <a:chOff x="0" y="0"/>
+          <a:chExt cx="0" cy="0"/>
+        </a:xfrm>
+      </p:grpSpPr>
+      <p:sp>
+        <p:nvSpPr>
+          <p:cNvPr id="2" name="Title 1"/>
+          <p:cNvSpPr>
+            <a:spLocks noGrp="1"/>
+          </p:cNvSpPr>
+          <p:nvPr>
+            <p:ph type="title"/>
+          </p:nvPr>
+        </p:nvSpPr>
+        <p:spPr/>
+        <p:txBody>
+          <a:bodyPr/>
+          <a:lstStyle/>
+          <a:p>
+            <a:endParaRPr lang="hu-HU"/>
+          </a:p>
+        </p:txBody>
+      </p:sp>
+      <p:sp>
+        <p:nvSpPr>
+          <p:cNvPr id="6" name="TextBox 5"/>
+          <p:cNvSpPr txBox="1"/>
+          <p:nvPr/>
+        </p:nvSpPr>
+        <p:spPr>
+          <a:xfrm>
+            <a:off x="4214810" y="6273225"/>
+            <a:ext cx="4714908" cy="584775"/>
+          </a:xfrm>
+          <a:prstGeom prst="rect">
+            <a:avLst/>
+          </a:prstGeom>
+          <a:noFill/>
+        </p:spPr>
+        <p:txBody>
+          <a:bodyPr wrap="square" rtlCol="0">
+            <a:spAutoFit/>
+          </a:bodyPr>
+          <a:lstStyle/>
+          <a:p>
+            <a:pPr algn="ctr"/>
+            <a:r>
+              <a:rPr lang="hu-HU" sz="1600" dirty="0" smtClean="0">
+                <a:latin typeface="Bahnschrift Light" pitchFamily="34" charset="0"/>
+              </a:rPr>
+              <a:t>Alexandra Rujzam</a:t>
+            </a:r>
+            <a:br>
+              <a:rPr lang="hu-HU" sz="1600" dirty="0" smtClean="0">
+                <a:latin typeface="Bahnschrift Light" pitchFamily="34" charset="0"/>
+              </a:rPr>
+            </a:br>
+            <a:r>
+              <a:rPr lang="hu-HU" sz="1600" dirty="0" smtClean="0">
+                <a:latin typeface="Bahnschrift Light" pitchFamily="34" charset="0"/>
+              </a:rPr>
+              <a:t>https</a:t>
+            </a:r>
+            <a:r>
+              <a:rPr lang="hu-HU" sz="1600" dirty="0" smtClean="0">
+                <a:latin typeface="Bahnschrift Light" pitchFamily="34" charset="0"/>
+              </a:rPr>
+              <a:t>://github.com/greenfox-academy/szapszap</a:t>
+            </a:r>
+            <a:endParaRPr lang="hu-HU" sz="1600" dirty="0">
+              <a:latin typeface="Bahnschrift Light" pitchFamily="34" charset="0"/>
+            </a:endParaRPr>
+          </a:p>
+        </p:txBody>
+      </p:sp>
+      <p:sp>
+        <p:nvSpPr>
+          <p:cNvPr id="8" name="Content Placeholder 7"/>
+          <p:cNvSpPr>
+            <a:spLocks noGrp="1"/>
+          </p:cNvSpPr>
+          <p:nvPr>
+            <p:ph sz="quarter" idx="1"/>
+          </p:nvPr>
+        </p:nvSpPr>
+        <p:spPr/>
+        <p:txBody>
+          <a:bodyPr/>
+          <a:lstStyle/>
+          <a:p>
+            <a:endParaRPr lang="hu-HU"/>
+          </a:p>
+        </p:txBody>
+      </p:sp>
+      <p:pic>
+        <p:nvPicPr>
+          <p:cNvPr id="5125" name="Picture 5"/>
+          <p:cNvPicPr>
+            <a:picLocks noChangeAspect="1" noChangeArrowheads="1"/>
+          </p:cNvPicPr>
+          <p:nvPr/>
+        </p:nvPicPr>
+        <p:blipFill>
+          <a:blip r:embed="rId2"/>
+          <a:srcRect/>
+          <a:stretch>
+            <a:fillRect/>
+          </a:stretch>
+        </p:blipFill>
+        <p:spPr bwMode="auto">
+          <a:xfrm>
+            <a:off x="5643570" y="714356"/>
+            <a:ext cx="3067050" cy="4124325"/>
+          </a:xfrm>
+          <a:prstGeom prst="rect">
+            <a:avLst/>
+          </a:prstGeom>
+          <a:noFill/>
+          <a:ln w="9525">
+            <a:noFill/>
+            <a:miter lim="800000"/>
+            <a:headEnd/>
+            <a:tailEnd/>
+          </a:ln>
+          <a:effectLst/>
+        </p:spPr>
+      </p:pic>
+      <p:pic>
+        <p:nvPicPr>
+          <p:cNvPr id="5126" name="Picture 6"/>
+          <p:cNvPicPr>
+            <a:picLocks noChangeAspect="1" noChangeArrowheads="1"/>
+          </p:cNvPicPr>
+          <p:nvPr/>
+        </p:nvPicPr>
+        <p:blipFill>
+          <a:blip r:embed="rId3"/>
+          <a:srcRect/>
+          <a:stretch>
+            <a:fillRect/>
+          </a:stretch>
+        </p:blipFill>
+        <p:spPr bwMode="auto">
+          <a:xfrm>
+            <a:off x="500034" y="3500438"/>
+            <a:ext cx="5018414" cy="2000264"/>
+          </a:xfrm>
+          <a:prstGeom prst="rect">
+            <a:avLst/>
+          </a:prstGeom>
+          <a:noFill/>
+          <a:ln w="9525">
+            <a:noFill/>
+            <a:miter lim="800000"/>
+            <a:headEnd/>
+            <a:tailEnd/>
+          </a:ln>
+          <a:effectLst/>
+        </p:spPr>
+      </p:pic>
+      <p:pic>
+        <p:nvPicPr>
+          <p:cNvPr id="5127" name="Picture 7"/>
+          <p:cNvPicPr>
+            <a:picLocks noChangeAspect="1" noChangeArrowheads="1"/>
+          </p:cNvPicPr>
+          <p:nvPr/>
+        </p:nvPicPr>
+        <p:blipFill>
+          <a:blip r:embed="rId4"/>
+          <a:srcRect/>
+          <a:stretch>
+            <a:fillRect/>
+          </a:stretch>
+        </p:blipFill>
+        <p:spPr bwMode="auto">
+          <a:xfrm>
+            <a:off x="142844" y="571480"/>
+            <a:ext cx="5950214" cy="2071702"/>
+          </a:xfrm>
+          <a:prstGeom prst="rect">
+            <a:avLst/>
+          </a:prstGeom>
+          <a:noFill/>
+          <a:ln w="9525">
+            <a:noFill/>
+            <a:miter lim="800000"/>
+            <a:headEnd/>
+            <a:tailEnd/>
+          </a:ln>
+          <a:effectLst/>
+        </p:spPr>
+      </p:pic>
+    </p:spTree>
+  </p:cSld>
+  <p:clrMapOvr>
+    <a:masterClrMapping/>
+  </p:clrMapOvr>
+  <p:timing>
+    <p:tnLst>
+      <p:par>
+        <p:cTn id="1" dur="indefinite" restart="never" nodeType="tmRoot"/>
+      </p:par>
+    </p:tnLst>
+  </p:timing>
+</p:sld>
+</file>
+
+<file path=ppt/slides/slide11.xml><?xml version="1.0" encoding="utf-8"?>
+<p:sld xmlns:a="http://schemas.openxmlformats.org/drawingml/2006/main" xmlns:r="http://schemas.openxmlformats.org/officeDocument/2006/relationships" xmlns:p="http://schemas.openxmlformats.org/presentationml/2006/main">
+  <p:cSld>
+    <p:spTree>
+      <p:nvGrpSpPr>
+        <p:cNvPr id="1" name=""/>
+        <p:cNvGrpSpPr/>
+        <p:nvPr/>
+      </p:nvGrpSpPr>
+      <p:grpSpPr>
+        <a:xfrm>
+          <a:off x="0" y="0"/>
+          <a:ext cx="0" cy="0"/>
+          <a:chOff x="0" y="0"/>
+          <a:chExt cx="0" cy="0"/>
+        </a:xfrm>
+      </p:grpSpPr>
+      <p:sp>
+        <p:nvSpPr>
+          <p:cNvPr id="2" name="Title 1"/>
+          <p:cNvSpPr>
+            <a:spLocks noGrp="1"/>
+          </p:cNvSpPr>
+          <p:nvPr>
+            <p:ph type="title"/>
+          </p:nvPr>
+        </p:nvSpPr>
+        <p:spPr/>
+        <p:txBody>
+          <a:bodyPr/>
+          <a:lstStyle/>
+          <a:p>
+            <a:endParaRPr lang="hu-HU"/>
+          </a:p>
+        </p:txBody>
+      </p:sp>
+      <p:sp>
+        <p:nvSpPr>
+          <p:cNvPr id="3" name="Content Placeholder 2"/>
+          <p:cNvSpPr>
+            <a:spLocks noGrp="1"/>
+          </p:cNvSpPr>
+          <p:nvPr>
+            <p:ph sz="quarter" idx="1"/>
+          </p:nvPr>
+        </p:nvSpPr>
+        <p:spPr/>
+        <p:txBody>
+          <a:bodyPr/>
+          <a:lstStyle/>
+          <a:p>
+            <a:endParaRPr lang="hu-HU"/>
+          </a:p>
+        </p:txBody>
+      </p:sp>
+      <p:sp>
+        <p:nvSpPr>
+          <p:cNvPr id="4" name="TextBox 3"/>
+          <p:cNvSpPr txBox="1"/>
+          <p:nvPr/>
+        </p:nvSpPr>
+        <p:spPr>
+          <a:xfrm>
+            <a:off x="4214810" y="6273225"/>
+            <a:ext cx="4714908" cy="584775"/>
+          </a:xfrm>
+          <a:prstGeom prst="rect">
+            <a:avLst/>
+          </a:prstGeom>
+          <a:noFill/>
+        </p:spPr>
+        <p:txBody>
+          <a:bodyPr wrap="square" rtlCol="0">
+            <a:spAutoFit/>
+          </a:bodyPr>
+          <a:lstStyle/>
+          <a:p>
+            <a:pPr algn="ctr"/>
+            <a:r>
+              <a:rPr lang="hu-HU" sz="1600" dirty="0" smtClean="0">
+                <a:latin typeface="Bahnschrift Light" pitchFamily="34" charset="0"/>
+              </a:rPr>
+              <a:t>Alexandra Rujzam</a:t>
+            </a:r>
+            <a:br>
+              <a:rPr lang="hu-HU" sz="1600" dirty="0" smtClean="0">
+                <a:latin typeface="Bahnschrift Light" pitchFamily="34" charset="0"/>
+              </a:rPr>
+            </a:br>
+            <a:r>
+              <a:rPr lang="hu-HU" sz="1600" dirty="0" smtClean="0">
+                <a:latin typeface="Bahnschrift Light" pitchFamily="34" charset="0"/>
+              </a:rPr>
+              <a:t>https</a:t>
+            </a:r>
+            <a:r>
+              <a:rPr lang="hu-HU" sz="1600" dirty="0" smtClean="0">
+                <a:latin typeface="Bahnschrift Light" pitchFamily="34" charset="0"/>
+              </a:rPr>
+              <a:t>://github.com/greenfox-academy/szapszap</a:t>
+            </a:r>
+            <a:endParaRPr lang="hu-HU" sz="1600" dirty="0">
+              <a:latin typeface="Bahnschrift Light" pitchFamily="34" charset="0"/>
+            </a:endParaRPr>
+          </a:p>
+        </p:txBody>
+      </p:sp>
+      <p:pic>
+        <p:nvPicPr>
+          <p:cNvPr id="7170" name="Picture 2"/>
+          <p:cNvPicPr>
+            <a:picLocks noChangeAspect="1" noChangeArrowheads="1"/>
+          </p:cNvPicPr>
+          <p:nvPr/>
+        </p:nvPicPr>
+        <p:blipFill>
+          <a:blip r:embed="rId2"/>
+          <a:srcRect/>
+          <a:stretch>
+            <a:fillRect/>
+          </a:stretch>
+        </p:blipFill>
+        <p:spPr bwMode="auto">
+          <a:xfrm>
+            <a:off x="782414" y="463562"/>
+            <a:ext cx="7290048" cy="5084751"/>
+          </a:xfrm>
+          <a:prstGeom prst="rect">
+            <a:avLst/>
+          </a:prstGeom>
+          <a:noFill/>
+          <a:ln w="9525">
+            <a:noFill/>
+            <a:miter lim="800000"/>
+            <a:headEnd/>
+            <a:tailEnd/>
+          </a:ln>
+          <a:effectLst/>
+        </p:spPr>
+      </p:pic>
+    </p:spTree>
+  </p:cSld>
+  <p:clrMapOvr>
+    <a:masterClrMapping/>
+  </p:clrMapOvr>
+</p:sld>
+</file>
+
+<file path=ppt/slides/slide12.xml><?xml version="1.0" encoding="utf-8"?>
+<p:sld xmlns:a="http://schemas.openxmlformats.org/drawingml/2006/main" xmlns:r="http://schemas.openxmlformats.org/officeDocument/2006/relationships" xmlns:p="http://schemas.openxmlformats.org/presentationml/2006/main">
+  <p:cSld>
+    <p:spTree>
+      <p:nvGrpSpPr>
+        <p:cNvPr id="1" name=""/>
+        <p:cNvGrpSpPr/>
+        <p:nvPr/>
+      </p:nvGrpSpPr>
+      <p:grpSpPr>
+        <a:xfrm>
+          <a:off x="0" y="0"/>
+          <a:ext cx="0" cy="0"/>
+          <a:chOff x="0" y="0"/>
+          <a:chExt cx="0" cy="0"/>
+        </a:xfrm>
+      </p:grpSpPr>
+      <p:sp>
+        <p:nvSpPr>
+          <p:cNvPr id="2" name="Title 1"/>
+          <p:cNvSpPr>
+            <a:spLocks noGrp="1"/>
+          </p:cNvSpPr>
+          <p:nvPr>
+            <p:ph type="title"/>
+          </p:nvPr>
+        </p:nvSpPr>
+        <p:spPr/>
+        <p:txBody>
+          <a:bodyPr/>
+          <a:lstStyle/>
+          <a:p>
+            <a:endParaRPr lang="hu-HU"/>
+          </a:p>
+        </p:txBody>
+      </p:sp>
+      <p:sp>
+        <p:nvSpPr>
+          <p:cNvPr id="3" name="Content Placeholder 2"/>
+          <p:cNvSpPr>
+            <a:spLocks noGrp="1"/>
+          </p:cNvSpPr>
+          <p:nvPr>
+            <p:ph sz="quarter" idx="1"/>
+          </p:nvPr>
+        </p:nvSpPr>
+        <p:spPr/>
+        <p:txBody>
+          <a:bodyPr/>
+          <a:lstStyle/>
+          <a:p>
+            <a:endParaRPr lang="hu-HU"/>
+          </a:p>
+        </p:txBody>
+      </p:sp>
+      <p:pic>
+        <p:nvPicPr>
+          <p:cNvPr id="6147" name="Picture 3"/>
+          <p:cNvPicPr>
+            <a:picLocks noChangeAspect="1" noChangeArrowheads="1"/>
+          </p:cNvPicPr>
+          <p:nvPr/>
+        </p:nvPicPr>
+        <p:blipFill>
+          <a:blip r:embed="rId2"/>
+          <a:srcRect/>
+          <a:stretch>
+            <a:fillRect/>
+          </a:stretch>
+        </p:blipFill>
+        <p:spPr bwMode="auto">
+          <a:xfrm>
+            <a:off x="0" y="0"/>
+            <a:ext cx="9144000" cy="6858000"/>
+          </a:xfrm>
+          <a:prstGeom prst="rect">
+            <a:avLst/>
+          </a:prstGeom>
+          <a:noFill/>
+          <a:ln w="9525">
+            <a:noFill/>
+            <a:miter lim="800000"/>
+            <a:headEnd/>
+            <a:tailEnd/>
+          </a:ln>
+          <a:effectLst/>
+        </p:spPr>
+      </p:pic>
+    </p:spTree>
+  </p:cSld>
+  <p:clrMapOvr>
+    <a:masterClrMapping/>
+  </p:clrMapOvr>
+  <p:timing>
+    <p:tnLst>
+      <p:par>
+        <p:cTn id="1" dur="indefinite" restart="never" nodeType="tmRoot"/>
+      </p:par>
+    </p:tnLst>
+  </p:timing>
+</p:sld>
+</file>
+
+<file path=ppt/slides/slide13.xml><?xml version="1.0" encoding="utf-8"?>
+<p:sld xmlns:a="http://schemas.openxmlformats.org/drawingml/2006/main" xmlns:r="http://schemas.openxmlformats.org/officeDocument/2006/relationships" xmlns:p="http://schemas.openxmlformats.org/presentationml/2006/main">
+  <p:cSld>
+    <p:spTree>
+      <p:nvGrpSpPr>
+        <p:cNvPr id="1" name=""/>
+        <p:cNvGrpSpPr/>
+        <p:nvPr/>
+      </p:nvGrpSpPr>
+      <p:grpSpPr>
+        <a:xfrm>
+          <a:off x="0" y="0"/>
+          <a:ext cx="0" cy="0"/>
+          <a:chOff x="0" y="0"/>
+          <a:chExt cx="0" cy="0"/>
+        </a:xfrm>
+      </p:grpSpPr>
+      <p:sp>
+        <p:nvSpPr>
+          <p:cNvPr id="2" name="Title 1"/>
+          <p:cNvSpPr>
+            <a:spLocks noGrp="1"/>
+          </p:cNvSpPr>
+          <p:nvPr>
+            <p:ph type="title"/>
+          </p:nvPr>
+        </p:nvSpPr>
+        <p:spPr>
+          <a:xfrm>
+            <a:off x="571472" y="1714488"/>
+            <a:ext cx="7572428" cy="1143000"/>
+          </a:xfrm>
+        </p:spPr>
+        <p:txBody>
+          <a:bodyPr>
+            <a:noAutofit/>
+          </a:bodyPr>
+          <a:lstStyle/>
+          <a:p>
+            <a:pPr algn="ctr"/>
+            <a:r>
+              <a:rPr lang="hu-HU" sz="5400" dirty="0" smtClean="0"/>
+              <a:t>Thanks for watching!</a:t>
+            </a:r>
+            <a:endParaRPr lang="hu-HU" sz="5400" dirty="0"/>
+          </a:p>
+        </p:txBody>
+      </p:sp>
+      <p:sp>
+        <p:nvSpPr>
+          <p:cNvPr id="3" name="Content Placeholder 2"/>
+          <p:cNvSpPr>
+            <a:spLocks noGrp="1"/>
+          </p:cNvSpPr>
+          <p:nvPr>
+            <p:ph sz="quarter" idx="1"/>
+          </p:nvPr>
+        </p:nvSpPr>
+        <p:spPr>
+          <a:xfrm>
+            <a:off x="500034" y="2000240"/>
+            <a:ext cx="7467600" cy="3759332"/>
+          </a:xfrm>
+        </p:spPr>
+        <p:txBody>
+          <a:bodyPr/>
+          <a:lstStyle/>
+          <a:p>
+            <a:endParaRPr lang="hu-HU" dirty="0" smtClean="0"/>
+          </a:p>
+          <a:p>
+            <a:endParaRPr lang="hu-HU" b="1" dirty="0" smtClean="0"/>
+          </a:p>
+          <a:p>
+            <a:endParaRPr lang="hu-HU" dirty="0" smtClean="0"/>
+          </a:p>
+          <a:p>
+            <a:endParaRPr lang="hu-HU" dirty="0" smtClean="0"/>
+          </a:p>
+          <a:p>
+            <a:pPr algn="ctr">
+              <a:buNone/>
+            </a:pPr>
+            <a:r>
+              <a:rPr lang="hu-HU" dirty="0" smtClean="0"/>
+              <a:t>(Or listening)</a:t>
+            </a:r>
+            <a:endParaRPr lang="hu-HU" dirty="0"/>
+          </a:p>
+        </p:txBody>
+      </p:sp>
+      <p:sp>
+        <p:nvSpPr>
+          <p:cNvPr id="4" name="TextBox 3"/>
+          <p:cNvSpPr txBox="1"/>
+          <p:nvPr/>
+        </p:nvSpPr>
+        <p:spPr>
+          <a:xfrm>
+            <a:off x="4214810" y="6273225"/>
+            <a:ext cx="4714908" cy="584775"/>
+          </a:xfrm>
+          <a:prstGeom prst="rect">
+            <a:avLst/>
+          </a:prstGeom>
+          <a:noFill/>
+        </p:spPr>
+        <p:txBody>
+          <a:bodyPr wrap="square" rtlCol="0">
+            <a:spAutoFit/>
+          </a:bodyPr>
+          <a:lstStyle/>
+          <a:p>
+            <a:pPr algn="ctr"/>
+            <a:r>
+              <a:rPr lang="hu-HU" sz="1600" dirty="0" smtClean="0">
+                <a:latin typeface="Bahnschrift Light" pitchFamily="34" charset="0"/>
+              </a:rPr>
+              <a:t>Alexandra Rujzam</a:t>
+            </a:r>
+            <a:br>
+              <a:rPr lang="hu-HU" sz="1600" dirty="0" smtClean="0">
+                <a:latin typeface="Bahnschrift Light" pitchFamily="34" charset="0"/>
+              </a:rPr>
+            </a:br>
+            <a:r>
+              <a:rPr lang="hu-HU" sz="1600" dirty="0" smtClean="0">
+                <a:latin typeface="Bahnschrift Light" pitchFamily="34" charset="0"/>
+              </a:rPr>
+              <a:t>https</a:t>
+            </a:r>
+            <a:r>
+              <a:rPr lang="hu-HU" sz="1600" dirty="0" smtClean="0">
+                <a:latin typeface="Bahnschrift Light" pitchFamily="34" charset="0"/>
+              </a:rPr>
+              <a:t>://github.com/greenfox-academy/szapszap</a:t>
+            </a:r>
+            <a:endParaRPr lang="hu-HU" sz="1600" dirty="0">
+              <a:latin typeface="Bahnschrift Light" pitchFamily="34" charset="0"/>
+            </a:endParaRPr>
+          </a:p>
+        </p:txBody>
+      </p:sp>
+    </p:spTree>
+  </p:cSld>
+  <p:clrMapOvr>
+    <a:masterClrMapping/>
+  </p:clrMapOvr>
+  <p:timing>
+    <p:tnLst>
+      <p:par>
+        <p:cTn id="1" dur="indefinite" restart="never" nodeType="tmRoot"/>
+      </p:par>
+    </p:tnLst>
+  </p:timing>
+</p:sld>
+</file>
+
+<file path=ppt/slides/slide2.xml><?xml version="1.0" encoding="utf-8"?>
+<p:sld xmlns:a="http://schemas.openxmlformats.org/drawingml/2006/main" xmlns:r="http://schemas.openxmlformats.org/officeDocument/2006/relationships" xmlns:p="http://schemas.openxmlformats.org/presentationml/2006/main">
+  <p:cSld>
+    <p:spTree>
+      <p:nvGrpSpPr>
+        <p:cNvPr id="1" name=""/>
+        <p:cNvGrpSpPr/>
+        <p:nvPr/>
+      </p:nvGrpSpPr>
+      <p:grpSpPr>
+        <a:xfrm>
+          <a:off x="0" y="0"/>
+          <a:ext cx="0" cy="0"/>
+          <a:chOff x="0" y="0"/>
+          <a:chExt cx="0" cy="0"/>
+        </a:xfrm>
+      </p:grpSpPr>
+      <p:sp>
+        <p:nvSpPr>
+          <p:cNvPr id="2" name="Title 1"/>
+          <p:cNvSpPr>
+            <a:spLocks noGrp="1"/>
+          </p:cNvSpPr>
+          <p:nvPr>
+            <p:ph type="title"/>
+          </p:nvPr>
+        </p:nvSpPr>
+        <p:spPr/>
+        <p:txBody>
+          <a:bodyPr>
+            <a:normAutofit fontScale="90000"/>
+          </a:bodyPr>
+          <a:lstStyle/>
+          <a:p>
+            <a:r>
+              <a:rPr lang="hu-HU" sz="4000" b="1" dirty="0" smtClean="0"/>
+              <a:t>What we learned this week</a:t>
+            </a:r>
+            <a:endParaRPr lang="hu-HU" sz="4000" b="1" dirty="0"/>
+          </a:p>
+        </p:txBody>
+      </p:sp>
+      <p:sp>
+        <p:nvSpPr>
+          <p:cNvPr id="3" name="Content Placeholder 2"/>
+          <p:cNvSpPr>
+            <a:spLocks noGrp="1"/>
+          </p:cNvSpPr>
+          <p:nvPr>
+            <p:ph sz="quarter" idx="1"/>
+          </p:nvPr>
+        </p:nvSpPr>
+        <p:spPr>
+          <a:xfrm>
+            <a:off x="500034" y="1785926"/>
+            <a:ext cx="7467600" cy="4873752"/>
+          </a:xfrm>
+        </p:spPr>
+        <p:txBody>
+          <a:bodyPr/>
+          <a:lstStyle/>
+          <a:p>
+            <a:r>
+              <a:rPr lang="hu-HU" dirty="0" smtClean="0"/>
+              <a:t>Arrays and Functions – and their syntax</a:t>
+            </a:r>
+            <a:br>
+              <a:rPr lang="hu-HU" dirty="0" smtClean="0"/>
+            </a:br>
+            <a:endParaRPr lang="hu-HU" dirty="0" smtClean="0"/>
+          </a:p>
+        </p:txBody>
+      </p:sp>
+      <p:sp>
+        <p:nvSpPr>
+          <p:cNvPr id="5" name="TextBox 4"/>
+          <p:cNvSpPr txBox="1"/>
+          <p:nvPr/>
+        </p:nvSpPr>
+        <p:spPr>
+          <a:xfrm>
+            <a:off x="4214810" y="6273225"/>
+            <a:ext cx="4714908" cy="584775"/>
+          </a:xfrm>
+          <a:prstGeom prst="rect">
+            <a:avLst/>
+          </a:prstGeom>
+          <a:noFill/>
+        </p:spPr>
+        <p:txBody>
+          <a:bodyPr wrap="square" rtlCol="0">
+            <a:spAutoFit/>
+          </a:bodyPr>
+          <a:lstStyle/>
+          <a:p>
+            <a:pPr algn="ctr"/>
+            <a:r>
+              <a:rPr lang="hu-HU" sz="1600" dirty="0" smtClean="0">
+                <a:latin typeface="Bahnschrift Light" pitchFamily="34" charset="0"/>
+              </a:rPr>
+              <a:t>Alexandra Rujzam</a:t>
+            </a:r>
+            <a:br>
+              <a:rPr lang="hu-HU" sz="1600" dirty="0" smtClean="0">
+                <a:latin typeface="Bahnschrift Light" pitchFamily="34" charset="0"/>
+              </a:rPr>
+            </a:br>
+            <a:r>
+              <a:rPr lang="hu-HU" sz="1600" dirty="0" smtClean="0">
+                <a:latin typeface="Bahnschrift Light" pitchFamily="34" charset="0"/>
+              </a:rPr>
+              <a:t>https</a:t>
+            </a:r>
+            <a:r>
+              <a:rPr lang="hu-HU" sz="1600" dirty="0" smtClean="0">
+                <a:latin typeface="Bahnschrift Light" pitchFamily="34" charset="0"/>
+              </a:rPr>
+              <a:t>://github.com/greenfox-academy/szapszap</a:t>
+            </a:r>
+            <a:endParaRPr lang="hu-HU" sz="1600" dirty="0">
+              <a:latin typeface="Bahnschrift Light" pitchFamily="34" charset="0"/>
+            </a:endParaRPr>
+          </a:p>
+        </p:txBody>
+      </p:sp>
+    </p:spTree>
+  </p:cSld>
+  <p:clrMapOvr>
+    <a:masterClrMapping/>
+  </p:clrMapOvr>
+  <p:timing>
+    <p:tnLst>
+      <p:par>
+        <p:cTn id="1" dur="indefinite" restart="never" nodeType="tmRoot"/>
+      </p:par>
+    </p:tnLst>
+  </p:timing>
+</p:sld>
+</file>
+
+<file path=ppt/slides/slide3.xml><?xml version="1.0" encoding="utf-8"?>
+<p:sld xmlns:a="http://schemas.openxmlformats.org/drawingml/2006/main" xmlns:r="http://schemas.openxmlformats.org/officeDocument/2006/relationships" xmlns:p="http://schemas.openxmlformats.org/presentationml/2006/main">
+  <p:cSld>
+    <p:spTree>
+      <p:nvGrpSpPr>
+        <p:cNvPr id="1" name=""/>
+        <p:cNvGrpSpPr/>
+        <p:nvPr/>
+      </p:nvGrpSpPr>
+      <p:grpSpPr>
+        <a:xfrm>
+          <a:off x="0" y="0"/>
+          <a:ext cx="0" cy="0"/>
+          <a:chOff x="0" y="0"/>
+          <a:chExt cx="0" cy="0"/>
+        </a:xfrm>
+      </p:grpSpPr>
+      <p:sp>
+        <p:nvSpPr>
+          <p:cNvPr id="2" name="Title 1"/>
+          <p:cNvSpPr>
+            <a:spLocks noGrp="1"/>
+          </p:cNvSpPr>
+          <p:nvPr>
+            <p:ph type="title"/>
+          </p:nvPr>
+        </p:nvSpPr>
+        <p:spPr/>
+        <p:txBody>
+          <a:bodyPr>
+            <a:normAutofit fontScale="90000"/>
+          </a:bodyPr>
+          <a:lstStyle/>
+          <a:p>
+            <a:r>
+              <a:rPr lang="hu-HU" sz="4000" b="1" dirty="0" smtClean="0"/>
+              <a:t>What we learned this week</a:t>
+            </a:r>
+            <a:endParaRPr lang="hu-HU" sz="4000" b="1" dirty="0"/>
+          </a:p>
+        </p:txBody>
+      </p:sp>
+      <p:sp>
+        <p:nvSpPr>
+          <p:cNvPr id="3" name="Content Placeholder 2"/>
+          <p:cNvSpPr>
+            <a:spLocks noGrp="1"/>
+          </p:cNvSpPr>
+          <p:nvPr>
+            <p:ph sz="quarter" idx="1"/>
+          </p:nvPr>
+        </p:nvSpPr>
+        <p:spPr>
+          <a:xfrm>
+            <a:off x="500034" y="1785926"/>
+            <a:ext cx="7467600" cy="4873752"/>
+          </a:xfrm>
+        </p:spPr>
+        <p:txBody>
+          <a:bodyPr/>
+          <a:lstStyle/>
+          <a:p>
+            <a:r>
+              <a:rPr lang="hu-HU" dirty="0" smtClean="0"/>
+              <a:t>Arrays and Functions – and their syntax</a:t>
+            </a:r>
+            <a:br>
+              <a:rPr lang="hu-HU" dirty="0" smtClean="0"/>
+            </a:br>
+            <a:endParaRPr lang="hu-HU" dirty="0" smtClean="0"/>
+          </a:p>
+          <a:p>
+            <a:r>
+              <a:rPr lang="hu-HU" dirty="0" smtClean="0"/>
+              <a:t>Data structures – strings, arrays and objects</a:t>
+            </a:r>
+            <a:br>
+              <a:rPr lang="hu-HU" dirty="0" smtClean="0"/>
+            </a:br>
+            <a:endParaRPr lang="hu-HU" dirty="0" smtClean="0"/>
+          </a:p>
+          <a:p>
+            <a:endParaRPr lang="hu-HU" dirty="0" smtClean="0"/>
+          </a:p>
+        </p:txBody>
+      </p:sp>
+      <p:sp>
+        <p:nvSpPr>
+          <p:cNvPr id="5" name="TextBox 4"/>
+          <p:cNvSpPr txBox="1"/>
+          <p:nvPr/>
+        </p:nvSpPr>
+        <p:spPr>
+          <a:xfrm>
+            <a:off x="4214810" y="6273225"/>
+            <a:ext cx="4714908" cy="584775"/>
+          </a:xfrm>
+          <a:prstGeom prst="rect">
+            <a:avLst/>
+          </a:prstGeom>
+          <a:noFill/>
+        </p:spPr>
+        <p:txBody>
+          <a:bodyPr wrap="square" rtlCol="0">
+            <a:spAutoFit/>
+          </a:bodyPr>
+          <a:lstStyle/>
+          <a:p>
+            <a:pPr algn="ctr"/>
+            <a:r>
+              <a:rPr lang="hu-HU" sz="1600" dirty="0" smtClean="0">
+                <a:latin typeface="Bahnschrift Light" pitchFamily="34" charset="0"/>
+              </a:rPr>
+              <a:t>Alexandra Rujzam</a:t>
+            </a:r>
+            <a:br>
+              <a:rPr lang="hu-HU" sz="1600" dirty="0" smtClean="0">
+                <a:latin typeface="Bahnschrift Light" pitchFamily="34" charset="0"/>
+              </a:rPr>
+            </a:br>
+            <a:r>
+              <a:rPr lang="hu-HU" sz="1600" dirty="0" smtClean="0">
+                <a:latin typeface="Bahnschrift Light" pitchFamily="34" charset="0"/>
+              </a:rPr>
+              <a:t>https</a:t>
+            </a:r>
+            <a:r>
+              <a:rPr lang="hu-HU" sz="1600" dirty="0" smtClean="0">
+                <a:latin typeface="Bahnschrift Light" pitchFamily="34" charset="0"/>
+              </a:rPr>
+              <a:t>://github.com/greenfox-academy/szapszap</a:t>
+            </a:r>
+            <a:endParaRPr lang="hu-HU" sz="1600" dirty="0">
+              <a:latin typeface="Bahnschrift Light" pitchFamily="34" charset="0"/>
+            </a:endParaRPr>
+          </a:p>
+        </p:txBody>
+      </p:sp>
+    </p:spTree>
+  </p:cSld>
+  <p:clrMapOvr>
+    <a:masterClrMapping/>
+  </p:clrMapOvr>
+  <p:timing>
+    <p:tnLst>
+      <p:par>
+        <p:cTn id="1" dur="indefinite" restart="never" nodeType="tmRoot"/>
+      </p:par>
+    </p:tnLst>
+  </p:timing>
+</p:sld>
+</file>
+
+<file path=ppt/slides/slide4.xml><?xml version="1.0" encoding="utf-8"?>
+<p:sld xmlns:a="http://schemas.openxmlformats.org/drawingml/2006/main" xmlns:r="http://schemas.openxmlformats.org/officeDocument/2006/relationships" xmlns:p="http://schemas.openxmlformats.org/presentationml/2006/main">
+  <p:cSld>
+    <p:spTree>
+      <p:nvGrpSpPr>
+        <p:cNvPr id="1" name=""/>
+        <p:cNvGrpSpPr/>
+        <p:nvPr/>
+      </p:nvGrpSpPr>
+      <p:grpSpPr>
+        <a:xfrm>
+          <a:off x="0" y="0"/>
+          <a:ext cx="0" cy="0"/>
+          <a:chOff x="0" y="0"/>
+          <a:chExt cx="0" cy="0"/>
+        </a:xfrm>
+      </p:grpSpPr>
+      <p:sp>
+        <p:nvSpPr>
+          <p:cNvPr id="2" name="Title 1"/>
+          <p:cNvSpPr>
+            <a:spLocks noGrp="1"/>
+          </p:cNvSpPr>
+          <p:nvPr>
+            <p:ph type="title"/>
+          </p:nvPr>
+        </p:nvSpPr>
+        <p:spPr/>
+        <p:txBody>
+          <a:bodyPr>
+            <a:normAutofit fontScale="90000"/>
+          </a:bodyPr>
+          <a:lstStyle/>
+          <a:p>
+            <a:r>
+              <a:rPr lang="hu-HU" sz="4000" b="1" dirty="0" smtClean="0"/>
+              <a:t>What we learned this week</a:t>
+            </a:r>
+            <a:endParaRPr lang="hu-HU" sz="4000" b="1" dirty="0"/>
+          </a:p>
+        </p:txBody>
+      </p:sp>
+      <p:sp>
+        <p:nvSpPr>
+          <p:cNvPr id="3" name="Content Placeholder 2"/>
+          <p:cNvSpPr>
+            <a:spLocks noGrp="1"/>
+          </p:cNvSpPr>
+          <p:nvPr>
+            <p:ph sz="quarter" idx="1"/>
+          </p:nvPr>
+        </p:nvSpPr>
+        <p:spPr>
+          <a:xfrm>
+            <a:off x="500034" y="1785926"/>
+            <a:ext cx="7467600" cy="4873752"/>
+          </a:xfrm>
+        </p:spPr>
+        <p:txBody>
+          <a:bodyPr/>
+          <a:lstStyle/>
+          <a:p>
+            <a:r>
+              <a:rPr lang="hu-HU" dirty="0" smtClean="0"/>
+              <a:t>Arrays and Functions – and their syntax</a:t>
+            </a:r>
+            <a:br>
+              <a:rPr lang="hu-HU" dirty="0" smtClean="0"/>
+            </a:br>
+            <a:endParaRPr lang="hu-HU" dirty="0" smtClean="0"/>
+          </a:p>
+          <a:p>
+            <a:r>
+              <a:rPr lang="hu-HU" dirty="0" smtClean="0"/>
+              <a:t>Data structures – strings, arrays and objects</a:t>
+            </a:r>
+            <a:br>
+              <a:rPr lang="hu-HU" dirty="0" smtClean="0"/>
+            </a:br>
+            <a:endParaRPr lang="hu-HU" dirty="0" smtClean="0"/>
+          </a:p>
+          <a:p>
+            <a:r>
+              <a:rPr lang="hu-HU" dirty="0" smtClean="0"/>
+              <a:t>Drawing shapes on HTML Canvas – lines, rectangles, squares</a:t>
+            </a:r>
+            <a:br>
+              <a:rPr lang="hu-HU" dirty="0" smtClean="0"/>
+            </a:br>
+            <a:endParaRPr lang="hu-HU" dirty="0" smtClean="0"/>
+          </a:p>
+        </p:txBody>
+      </p:sp>
+      <p:sp>
+        <p:nvSpPr>
+          <p:cNvPr id="5" name="TextBox 4"/>
+          <p:cNvSpPr txBox="1"/>
+          <p:nvPr/>
+        </p:nvSpPr>
+        <p:spPr>
+          <a:xfrm>
+            <a:off x="4214810" y="6273225"/>
+            <a:ext cx="4714908" cy="584775"/>
+          </a:xfrm>
+          <a:prstGeom prst="rect">
+            <a:avLst/>
+          </a:prstGeom>
+          <a:noFill/>
+        </p:spPr>
+        <p:txBody>
+          <a:bodyPr wrap="square" rtlCol="0">
+            <a:spAutoFit/>
+          </a:bodyPr>
+          <a:lstStyle/>
+          <a:p>
+            <a:pPr algn="ctr"/>
+            <a:r>
+              <a:rPr lang="hu-HU" sz="1600" dirty="0" smtClean="0">
+                <a:latin typeface="Bahnschrift Light" pitchFamily="34" charset="0"/>
+              </a:rPr>
+              <a:t>Alexandra Rujzam</a:t>
+            </a:r>
+            <a:br>
+              <a:rPr lang="hu-HU" sz="1600" dirty="0" smtClean="0">
+                <a:latin typeface="Bahnschrift Light" pitchFamily="34" charset="0"/>
+              </a:rPr>
+            </a:br>
+            <a:r>
+              <a:rPr lang="hu-HU" sz="1600" dirty="0" smtClean="0">
+                <a:latin typeface="Bahnschrift Light" pitchFamily="34" charset="0"/>
+              </a:rPr>
+              <a:t>https</a:t>
+            </a:r>
+            <a:r>
+              <a:rPr lang="hu-HU" sz="1600" dirty="0" smtClean="0">
+                <a:latin typeface="Bahnschrift Light" pitchFamily="34" charset="0"/>
+              </a:rPr>
+              <a:t>://github.com/greenfox-academy/szapszap</a:t>
+            </a:r>
+            <a:endParaRPr lang="hu-HU" sz="1600" dirty="0">
+              <a:latin typeface="Bahnschrift Light" pitchFamily="34" charset="0"/>
+            </a:endParaRPr>
+          </a:p>
+        </p:txBody>
+      </p:sp>
+    </p:spTree>
+  </p:cSld>
+  <p:clrMapOvr>
+    <a:masterClrMapping/>
+  </p:clrMapOvr>
+  <p:timing>
+    <p:tnLst>
+      <p:par>
+        <p:cTn id="1" dur="indefinite" restart="never" nodeType="tmRoot"/>
+      </p:par>
+    </p:tnLst>
+  </p:timing>
+</p:sld>
+</file>
+
+<file path=ppt/slides/slide5.xml><?xml version="1.0" encoding="utf-8"?>
+<p:sld xmlns:a="http://schemas.openxmlformats.org/drawingml/2006/main" xmlns:r="http://schemas.openxmlformats.org/officeDocument/2006/relationships" xmlns:p="http://schemas.openxmlformats.org/presentationml/2006/main">
+  <p:cSld>
+    <p:spTree>
+      <p:nvGrpSpPr>
+        <p:cNvPr id="1" name=""/>
+        <p:cNvGrpSpPr/>
+        <p:nvPr/>
+      </p:nvGrpSpPr>
+      <p:grpSpPr>
+        <a:xfrm>
+          <a:off x="0" y="0"/>
+          <a:ext cx="0" cy="0"/>
+          <a:chOff x="0" y="0"/>
+          <a:chExt cx="0" cy="0"/>
+        </a:xfrm>
+      </p:grpSpPr>
+      <p:sp>
+        <p:nvSpPr>
+          <p:cNvPr id="2" name="Title 1"/>
+          <p:cNvSpPr>
+            <a:spLocks noGrp="1"/>
+          </p:cNvSpPr>
+          <p:nvPr>
+            <p:ph type="title"/>
+          </p:nvPr>
+        </p:nvSpPr>
+        <p:spPr/>
+        <p:txBody>
+          <a:bodyPr>
+            <a:normAutofit fontScale="90000"/>
+          </a:bodyPr>
+          <a:lstStyle/>
+          <a:p>
+            <a:r>
+              <a:rPr lang="hu-HU" sz="4000" b="1" dirty="0" smtClean="0"/>
+              <a:t>What we learned this week</a:t>
+            </a:r>
+            <a:endParaRPr lang="hu-HU" sz="4000" b="1" dirty="0"/>
+          </a:p>
+        </p:txBody>
+      </p:sp>
+      <p:sp>
+        <p:nvSpPr>
+          <p:cNvPr id="3" name="Content Placeholder 2"/>
+          <p:cNvSpPr>
+            <a:spLocks noGrp="1"/>
+          </p:cNvSpPr>
+          <p:nvPr>
+            <p:ph sz="quarter" idx="1"/>
+          </p:nvPr>
+        </p:nvSpPr>
+        <p:spPr>
+          <a:xfrm>
+            <a:off x="500034" y="1785926"/>
+            <a:ext cx="7467600" cy="4873752"/>
+          </a:xfrm>
+        </p:spPr>
+        <p:txBody>
+          <a:bodyPr/>
+          <a:lstStyle/>
+          <a:p>
+            <a:r>
+              <a:rPr lang="hu-HU" dirty="0" smtClean="0"/>
+              <a:t>Arrays and Functions – and their syntax</a:t>
+            </a:r>
+            <a:br>
+              <a:rPr lang="hu-HU" dirty="0" smtClean="0"/>
+            </a:br>
+            <a:endParaRPr lang="hu-HU" dirty="0" smtClean="0"/>
+          </a:p>
+          <a:p>
+            <a:r>
+              <a:rPr lang="hu-HU" dirty="0" smtClean="0"/>
+              <a:t>Data structures – strings, arrays and objects</a:t>
+            </a:r>
+            <a:br>
+              <a:rPr lang="hu-HU" dirty="0" smtClean="0"/>
+            </a:br>
+            <a:endParaRPr lang="hu-HU" dirty="0" smtClean="0"/>
+          </a:p>
+          <a:p>
+            <a:r>
+              <a:rPr lang="hu-HU" dirty="0" smtClean="0"/>
+              <a:t>Drawing shapes on HTML Canvas – lines, rectangles, squares</a:t>
+            </a:r>
+            <a:br>
+              <a:rPr lang="hu-HU" dirty="0" smtClean="0"/>
+            </a:br>
+            <a:endParaRPr lang="hu-HU" dirty="0" smtClean="0"/>
+          </a:p>
+          <a:p>
+            <a:r>
+              <a:rPr lang="hu-HU" dirty="0" smtClean="0"/>
+              <a:t>Drawing project</a:t>
+            </a:r>
+          </a:p>
+          <a:p>
+            <a:endParaRPr lang="hu-HU" dirty="0" smtClean="0"/>
+          </a:p>
+        </p:txBody>
+      </p:sp>
+      <p:sp>
+        <p:nvSpPr>
+          <p:cNvPr id="5" name="TextBox 4"/>
+          <p:cNvSpPr txBox="1"/>
+          <p:nvPr/>
+        </p:nvSpPr>
+        <p:spPr>
+          <a:xfrm>
+            <a:off x="4214810" y="6273225"/>
+            <a:ext cx="4714908" cy="584775"/>
+          </a:xfrm>
+          <a:prstGeom prst="rect">
+            <a:avLst/>
+          </a:prstGeom>
+          <a:noFill/>
+        </p:spPr>
+        <p:txBody>
+          <a:bodyPr wrap="square" rtlCol="0">
+            <a:spAutoFit/>
+          </a:bodyPr>
+          <a:lstStyle/>
+          <a:p>
+            <a:pPr algn="ctr"/>
+            <a:r>
+              <a:rPr lang="hu-HU" sz="1600" dirty="0" smtClean="0">
+                <a:latin typeface="Bahnschrift Light" pitchFamily="34" charset="0"/>
+              </a:rPr>
+              <a:t>Alexandra Rujzam</a:t>
+            </a:r>
+            <a:br>
+              <a:rPr lang="hu-HU" sz="1600" dirty="0" smtClean="0">
+                <a:latin typeface="Bahnschrift Light" pitchFamily="34" charset="0"/>
+              </a:rPr>
+            </a:br>
+            <a:r>
+              <a:rPr lang="hu-HU" sz="1600" dirty="0" smtClean="0">
+                <a:latin typeface="Bahnschrift Light" pitchFamily="34" charset="0"/>
+              </a:rPr>
+              <a:t>https</a:t>
+            </a:r>
+            <a:r>
+              <a:rPr lang="hu-HU" sz="1600" dirty="0" smtClean="0">
+                <a:latin typeface="Bahnschrift Light" pitchFamily="34" charset="0"/>
+              </a:rPr>
+              <a:t>://github.com/greenfox-academy/szapszap</a:t>
+            </a:r>
+            <a:endParaRPr lang="hu-HU" sz="1600" dirty="0">
+              <a:latin typeface="Bahnschrift Light" pitchFamily="34" charset="0"/>
+            </a:endParaRPr>
+          </a:p>
+        </p:txBody>
+      </p:sp>
+    </p:spTree>
+  </p:cSld>
+  <p:clrMapOvr>
+    <a:masterClrMapping/>
+  </p:clrMapOvr>
+  <p:timing>
+    <p:tnLst>
+      <p:par>
+        <p:cTn id="1" dur="indefinite" restart="never" nodeType="tmRoot"/>
+      </p:par>
+    </p:tnLst>
+  </p:timing>
+</p:sld>
+</file>
+
+<file path=ppt/slides/slide6.xml><?xml version="1.0" encoding="utf-8"?>
+<p:sld xmlns:a="http://schemas.openxmlformats.org/drawingml/2006/main" xmlns:r="http://schemas.openxmlformats.org/officeDocument/2006/relationships" xmlns:p="http://schemas.openxmlformats.org/presentationml/2006/main">
+  <p:cSld>
+    <p:spTree>
+      <p:nvGrpSpPr>
+        <p:cNvPr id="1" name=""/>
+        <p:cNvGrpSpPr/>
+        <p:nvPr/>
+      </p:nvGrpSpPr>
+      <p:grpSpPr>
+        <a:xfrm>
+          <a:off x="0" y="0"/>
+          <a:ext cx="0" cy="0"/>
+          <a:chOff x="0" y="0"/>
+          <a:chExt cx="0" cy="0"/>
+        </a:xfrm>
+      </p:grpSpPr>
+      <p:sp>
+        <p:nvSpPr>
+          <p:cNvPr id="2" name="Title 1"/>
+          <p:cNvSpPr>
+            <a:spLocks noGrp="1"/>
+          </p:cNvSpPr>
+          <p:nvPr>
+            <p:ph type="title"/>
+          </p:nvPr>
+        </p:nvSpPr>
+        <p:spPr/>
+        <p:txBody>
+          <a:bodyPr>
+            <a:normAutofit fontScale="90000"/>
+          </a:bodyPr>
+          <a:lstStyle/>
+          <a:p>
+            <a:r>
+              <a:rPr lang="hu-HU" sz="4000" b="1" dirty="0" smtClean="0"/>
+              <a:t>What we learned this week</a:t>
+            </a:r>
+            <a:endParaRPr lang="hu-HU" sz="4000" b="1" dirty="0"/>
+          </a:p>
+        </p:txBody>
+      </p:sp>
+      <p:sp>
+        <p:nvSpPr>
+          <p:cNvPr id="3" name="Content Placeholder 2"/>
+          <p:cNvSpPr>
+            <a:spLocks noGrp="1"/>
+          </p:cNvSpPr>
+          <p:nvPr>
+            <p:ph sz="quarter" idx="1"/>
+          </p:nvPr>
+        </p:nvSpPr>
+        <p:spPr>
+          <a:xfrm>
+            <a:off x="500034" y="1785926"/>
+            <a:ext cx="7467600" cy="4873752"/>
+          </a:xfrm>
+        </p:spPr>
+        <p:txBody>
+          <a:bodyPr/>
+          <a:lstStyle/>
+          <a:p>
+            <a:r>
+              <a:rPr lang="hu-HU" dirty="0" smtClean="0"/>
+              <a:t>Arrays and Functions – and their syntax</a:t>
+            </a:r>
+            <a:br>
+              <a:rPr lang="hu-HU" dirty="0" smtClean="0"/>
+            </a:br>
+            <a:endParaRPr lang="hu-HU" dirty="0" smtClean="0"/>
+          </a:p>
+          <a:p>
+            <a:r>
+              <a:rPr lang="hu-HU" dirty="0" smtClean="0"/>
+              <a:t>Data structures – strings, arrays and objects</a:t>
+            </a:r>
+            <a:br>
+              <a:rPr lang="hu-HU" dirty="0" smtClean="0"/>
+            </a:br>
+            <a:endParaRPr lang="hu-HU" dirty="0" smtClean="0"/>
+          </a:p>
+          <a:p>
+            <a:r>
+              <a:rPr lang="hu-HU" dirty="0" smtClean="0"/>
+              <a:t>Drawing shapes on HTML Canvas – lines, rectangles, squares</a:t>
+            </a:r>
+            <a:br>
+              <a:rPr lang="hu-HU" dirty="0" smtClean="0"/>
+            </a:br>
+            <a:endParaRPr lang="hu-HU" dirty="0" smtClean="0"/>
+          </a:p>
+          <a:p>
+            <a:r>
+              <a:rPr lang="hu-HU" dirty="0" smtClean="0"/>
+              <a:t>Drawing project</a:t>
+            </a:r>
+          </a:p>
+          <a:p>
+            <a:endParaRPr lang="hu-HU" dirty="0" smtClean="0"/>
+          </a:p>
+          <a:p>
+            <a:r>
+              <a:rPr lang="hu-HU" dirty="0" smtClean="0"/>
+              <a:t>THERE IS NO SINGLE SOLUTION!</a:t>
+            </a:r>
+          </a:p>
+          <a:p>
+            <a:endParaRPr lang="hu-HU" dirty="0" smtClean="0"/>
+          </a:p>
+        </p:txBody>
+      </p:sp>
+      <p:sp>
+        <p:nvSpPr>
+          <p:cNvPr id="5" name="TextBox 4"/>
+          <p:cNvSpPr txBox="1"/>
+          <p:nvPr/>
+        </p:nvSpPr>
+        <p:spPr>
+          <a:xfrm>
+            <a:off x="4214810" y="6273225"/>
+            <a:ext cx="4714908" cy="584775"/>
+          </a:xfrm>
+          <a:prstGeom prst="rect">
+            <a:avLst/>
+          </a:prstGeom>
+          <a:noFill/>
+        </p:spPr>
+        <p:txBody>
+          <a:bodyPr wrap="square" rtlCol="0">
+            <a:spAutoFit/>
+          </a:bodyPr>
+          <a:lstStyle/>
+          <a:p>
+            <a:pPr algn="ctr"/>
+            <a:r>
+              <a:rPr lang="hu-HU" sz="1600" dirty="0" smtClean="0">
+                <a:latin typeface="Bahnschrift Light" pitchFamily="34" charset="0"/>
+              </a:rPr>
+              <a:t>Alexandra Rujzam</a:t>
+            </a:r>
+            <a:br>
+              <a:rPr lang="hu-HU" sz="1600" dirty="0" smtClean="0">
+                <a:latin typeface="Bahnschrift Light" pitchFamily="34" charset="0"/>
+              </a:rPr>
+            </a:br>
+            <a:r>
+              <a:rPr lang="hu-HU" sz="1600" dirty="0" smtClean="0">
+                <a:latin typeface="Bahnschrift Light" pitchFamily="34" charset="0"/>
+              </a:rPr>
+              <a:t>https</a:t>
+            </a:r>
+            <a:r>
+              <a:rPr lang="hu-HU" sz="1600" dirty="0" smtClean="0">
+                <a:latin typeface="Bahnschrift Light" pitchFamily="34" charset="0"/>
+              </a:rPr>
+              <a:t>://github.com/greenfox-academy/szapszap</a:t>
+            </a:r>
+            <a:endParaRPr lang="hu-HU" sz="1600" dirty="0">
+              <a:latin typeface="Bahnschrift Light" pitchFamily="34" charset="0"/>
+            </a:endParaRPr>
+          </a:p>
+        </p:txBody>
+      </p:sp>
+    </p:spTree>
+  </p:cSld>
+  <p:clrMapOvr>
+    <a:masterClrMapping/>
+  </p:clrMapOvr>
+  <p:timing>
+    <p:tnLst>
+      <p:par>
+        <p:cTn id="1" dur="indefinite" restart="never" nodeType="tmRoot"/>
+      </p:par>
+    </p:tnLst>
+  </p:timing>
+</p:sld>
+</file>
+
+<file path=ppt/slides/slide7.xml><?xml version="1.0" encoding="utf-8"?>
+<p:sld xmlns:a="http://schemas.openxmlformats.org/drawingml/2006/main" xmlns:r="http://schemas.openxmlformats.org/officeDocument/2006/relationships" xmlns:p="http://schemas.openxmlformats.org/presentationml/2006/main">
+  <p:cSld>
+    <p:spTree>
+      <p:nvGrpSpPr>
+        <p:cNvPr id="1" name=""/>
+        <p:cNvGrpSpPr/>
+        <p:nvPr/>
+      </p:nvGrpSpPr>
+      <p:grpSpPr>
+        <a:xfrm>
+          <a:off x="0" y="0"/>
+          <a:ext cx="0" cy="0"/>
+          <a:chOff x="0" y="0"/>
+          <a:chExt cx="0" cy="0"/>
+        </a:xfrm>
+      </p:grpSpPr>
+      <p:sp>
+        <p:nvSpPr>
+          <p:cNvPr id="2" name="Title 1"/>
+          <p:cNvSpPr>
+            <a:spLocks noGrp="1"/>
+          </p:cNvSpPr>
+          <p:nvPr>
+            <p:ph type="title"/>
+          </p:nvPr>
+        </p:nvSpPr>
+        <p:spPr/>
+        <p:txBody>
+          <a:bodyPr/>
+          <a:lstStyle/>
+          <a:p>
+            <a:endParaRPr lang="hu-HU"/>
+          </a:p>
+        </p:txBody>
+      </p:sp>
+      <p:pic>
+        <p:nvPicPr>
+          <p:cNvPr id="2050" name="Picture 2"/>
+          <p:cNvPicPr>
+            <a:picLocks noGrp="1" noChangeAspect="1" noChangeArrowheads="1"/>
+          </p:cNvPicPr>
+          <p:nvPr>
+            <p:ph sz="quarter" idx="1"/>
+          </p:nvPr>
+        </p:nvPicPr>
+        <p:blipFill>
+          <a:blip r:embed="rId2"/>
+          <a:srcRect/>
+          <a:stretch>
+            <a:fillRect/>
+          </a:stretch>
+        </p:blipFill>
+        <p:spPr bwMode="auto">
+          <a:xfrm>
+            <a:off x="491089" y="580699"/>
+            <a:ext cx="7867125" cy="5075564"/>
+          </a:xfrm>
+          <a:prstGeom prst="rect">
+            <a:avLst/>
+          </a:prstGeom>
+          <a:noFill/>
+          <a:ln w="9525">
+            <a:noFill/>
+            <a:miter lim="800000"/>
+            <a:headEnd/>
+            <a:tailEnd/>
+          </a:ln>
+          <a:effectLst/>
+        </p:spPr>
+      </p:pic>
+      <p:pic>
+        <p:nvPicPr>
+          <p:cNvPr id="2051" name="Picture 3"/>
+          <p:cNvPicPr>
+            <a:picLocks noChangeAspect="1" noChangeArrowheads="1"/>
+          </p:cNvPicPr>
+          <p:nvPr/>
+        </p:nvPicPr>
+        <p:blipFill>
+          <a:blip r:embed="rId3"/>
+          <a:srcRect/>
+          <a:stretch>
+            <a:fillRect/>
+          </a:stretch>
+        </p:blipFill>
+        <p:spPr bwMode="auto">
+          <a:xfrm>
+            <a:off x="5143504" y="2143116"/>
+            <a:ext cx="2714625" cy="3190875"/>
+          </a:xfrm>
+          <a:prstGeom prst="rect">
+            <a:avLst/>
+          </a:prstGeom>
+          <a:noFill/>
+          <a:ln w="9525">
+            <a:noFill/>
+            <a:miter lim="800000"/>
+            <a:headEnd/>
+            <a:tailEnd/>
+          </a:ln>
+          <a:effectLst/>
+        </p:spPr>
+      </p:pic>
+      <p:sp>
+        <p:nvSpPr>
+          <p:cNvPr id="6" name="TextBox 5"/>
+          <p:cNvSpPr txBox="1"/>
+          <p:nvPr/>
+        </p:nvSpPr>
+        <p:spPr>
+          <a:xfrm>
+            <a:off x="4214810" y="6273225"/>
+            <a:ext cx="4714908" cy="584775"/>
+          </a:xfrm>
+          <a:prstGeom prst="rect">
+            <a:avLst/>
+          </a:prstGeom>
+          <a:noFill/>
+        </p:spPr>
+        <p:txBody>
+          <a:bodyPr wrap="square" rtlCol="0">
+            <a:spAutoFit/>
+          </a:bodyPr>
+          <a:lstStyle/>
+          <a:p>
+            <a:pPr algn="ctr"/>
+            <a:r>
+              <a:rPr lang="hu-HU" sz="1600" dirty="0" smtClean="0">
+                <a:latin typeface="Bahnschrift Light" pitchFamily="34" charset="0"/>
+              </a:rPr>
+              <a:t>Alexandra Rujzam</a:t>
+            </a:r>
+            <a:br>
+              <a:rPr lang="hu-HU" sz="1600" dirty="0" smtClean="0">
+                <a:latin typeface="Bahnschrift Light" pitchFamily="34" charset="0"/>
+              </a:rPr>
+            </a:br>
+            <a:r>
+              <a:rPr lang="hu-HU" sz="1600" dirty="0" smtClean="0">
+                <a:latin typeface="Bahnschrift Light" pitchFamily="34" charset="0"/>
+              </a:rPr>
+              <a:t>https</a:t>
+            </a:r>
+            <a:r>
+              <a:rPr lang="hu-HU" sz="1600" dirty="0" smtClean="0">
+                <a:latin typeface="Bahnschrift Light" pitchFamily="34" charset="0"/>
+              </a:rPr>
+              <a:t>://github.com/greenfox-academy/szapszap</a:t>
+            </a:r>
+            <a:endParaRPr lang="hu-HU" sz="1600" dirty="0">
+              <a:latin typeface="Bahnschrift Light" pitchFamily="34" charset="0"/>
+            </a:endParaRPr>
+          </a:p>
+        </p:txBody>
+      </p:sp>
+    </p:spTree>
+  </p:cSld>
+  <p:clrMapOvr>
+    <a:masterClrMapping/>
+  </p:clrMapOvr>
+  <p:timing>
+    <p:tnLst>
+      <p:par>
+        <p:cTn id="1" dur="indefinite" restart="never" nodeType="tmRoot"/>
+      </p:par>
+    </p:tnLst>
+  </p:timing>
+</p:sld>
+</file>
+
+<file path=ppt/slides/slide8.xml><?xml version="1.0" encoding="utf-8"?>
+<p:sld xmlns:a="http://schemas.openxmlformats.org/drawingml/2006/main" xmlns:r="http://schemas.openxmlformats.org/officeDocument/2006/relationships" xmlns:p="http://schemas.openxmlformats.org/presentationml/2006/main">
+  <p:cSld>
+    <p:spTree>
+      <p:nvGrpSpPr>
+        <p:cNvPr id="1" name=""/>
+        <p:cNvGrpSpPr/>
+        <p:nvPr/>
+      </p:nvGrpSpPr>
+      <p:grpSpPr>
+        <a:xfrm>
+          <a:off x="0" y="0"/>
+          <a:ext cx="0" cy="0"/>
+          <a:chOff x="0" y="0"/>
+          <a:chExt cx="0" cy="0"/>
+        </a:xfrm>
+      </p:grpSpPr>
+      <p:sp>
+        <p:nvSpPr>
+          <p:cNvPr id="2" name="Title 1"/>
+          <p:cNvSpPr>
+            <a:spLocks noGrp="1"/>
+          </p:cNvSpPr>
+          <p:nvPr>
+            <p:ph type="title"/>
+          </p:nvPr>
+        </p:nvSpPr>
+        <p:spPr/>
+        <p:txBody>
+          <a:bodyPr/>
+          <a:lstStyle/>
+          <a:p>
+            <a:endParaRPr lang="hu-HU"/>
+          </a:p>
+        </p:txBody>
+      </p:sp>
+      <p:sp>
+        <p:nvSpPr>
+          <p:cNvPr id="3" name="Content Placeholder 2"/>
+          <p:cNvSpPr>
+            <a:spLocks noGrp="1"/>
+          </p:cNvSpPr>
+          <p:nvPr>
+            <p:ph sz="quarter" idx="1"/>
+          </p:nvPr>
+        </p:nvSpPr>
+        <p:spPr/>
+        <p:txBody>
+          <a:bodyPr/>
+          <a:lstStyle/>
+          <a:p>
+            <a:endParaRPr lang="hu-HU"/>
+          </a:p>
+        </p:txBody>
+      </p:sp>
+      <p:sp>
+        <p:nvSpPr>
+          <p:cNvPr id="4" name="TextBox 3"/>
+          <p:cNvSpPr txBox="1"/>
+          <p:nvPr/>
+        </p:nvSpPr>
+        <p:spPr>
+          <a:xfrm>
+            <a:off x="4214810" y="6273225"/>
+            <a:ext cx="4714908" cy="584775"/>
+          </a:xfrm>
+          <a:prstGeom prst="rect">
+            <a:avLst/>
+          </a:prstGeom>
+          <a:noFill/>
+        </p:spPr>
+        <p:txBody>
+          <a:bodyPr wrap="square" rtlCol="0">
+            <a:spAutoFit/>
+          </a:bodyPr>
+          <a:lstStyle/>
+          <a:p>
+            <a:pPr algn="ctr"/>
+            <a:r>
+              <a:rPr lang="hu-HU" sz="1600" dirty="0" smtClean="0">
+                <a:latin typeface="Bahnschrift Light" pitchFamily="34" charset="0"/>
+              </a:rPr>
+              <a:t>Alexandra Rujzam</a:t>
+            </a:r>
+            <a:br>
+              <a:rPr lang="hu-HU" sz="1600" dirty="0" smtClean="0">
+                <a:latin typeface="Bahnschrift Light" pitchFamily="34" charset="0"/>
+              </a:rPr>
+            </a:br>
+            <a:r>
+              <a:rPr lang="hu-HU" sz="1600" dirty="0" smtClean="0">
+                <a:latin typeface="Bahnschrift Light" pitchFamily="34" charset="0"/>
+              </a:rPr>
+              <a:t>https</a:t>
+            </a:r>
+            <a:r>
+              <a:rPr lang="hu-HU" sz="1600" dirty="0" smtClean="0">
+                <a:latin typeface="Bahnschrift Light" pitchFamily="34" charset="0"/>
+              </a:rPr>
+              <a:t>://github.com/greenfox-academy/szapszap</a:t>
+            </a:r>
+            <a:endParaRPr lang="hu-HU" sz="1600" dirty="0">
+              <a:latin typeface="Bahnschrift Light" pitchFamily="34" charset="0"/>
+            </a:endParaRPr>
+          </a:p>
+        </p:txBody>
+      </p:sp>
+      <p:pic>
+        <p:nvPicPr>
+          <p:cNvPr id="3074" name="Picture 2"/>
+          <p:cNvPicPr>
+            <a:picLocks noChangeAspect="1" noChangeArrowheads="1"/>
+          </p:cNvPicPr>
+          <p:nvPr/>
+        </p:nvPicPr>
+        <p:blipFill>
+          <a:blip r:embed="rId2"/>
+          <a:srcRect/>
+          <a:stretch>
+            <a:fillRect/>
+          </a:stretch>
+        </p:blipFill>
+        <p:spPr bwMode="auto">
+          <a:xfrm>
+            <a:off x="788179" y="371672"/>
+            <a:ext cx="7427159" cy="5048053"/>
+          </a:xfrm>
+          <a:prstGeom prst="rect">
+            <a:avLst/>
+          </a:prstGeom>
+          <a:noFill/>
+          <a:ln w="9525">
+            <a:noFill/>
+            <a:miter lim="800000"/>
+            <a:headEnd/>
+            <a:tailEnd/>
+          </a:ln>
+          <a:effectLst/>
+        </p:spPr>
+      </p:pic>
+    </p:spTree>
+  </p:cSld>
+  <p:clrMapOvr>
+    <a:masterClrMapping/>
+  </p:clrMapOvr>
+  <p:timing>
+    <p:tnLst>
+      <p:par>
+        <p:cTn id="1" dur="indefinite" restart="never" nodeType="tmRoot"/>
+      </p:par>
+    </p:tnLst>
+  </p:timing>
+</p:sld>
+</file>
+
+<file path=ppt/slides/slide9.xml><?xml version="1.0" encoding="utf-8"?>
+<p:sld xmlns:a="http://schemas.openxmlformats.org/drawingml/2006/main" xmlns:r="http://schemas.openxmlformats.org/officeDocument/2006/relationships" xmlns:p="http://schemas.openxmlformats.org/presentationml/2006/main">
+  <p:cSld>
+    <p:spTree>
+      <p:nvGrpSpPr>
+        <p:cNvPr id="1" name=""/>
+        <p:cNvGrpSpPr/>
+        <p:nvPr/>
+      </p:nvGrpSpPr>
+      <p:grpSpPr>
+        <a:xfrm>
+          <a:off x="0" y="0"/>
+          <a:ext cx="0" cy="0"/>
+          <a:chOff x="0" y="0"/>
+          <a:chExt cx="0" cy="0"/>
+        </a:xfrm>
+      </p:grpSpPr>
+      <p:sp>
+        <p:nvSpPr>
+          <p:cNvPr id="2" name="Title 1"/>
+          <p:cNvSpPr>
+            <a:spLocks noGrp="1"/>
+          </p:cNvSpPr>
+          <p:nvPr>
+            <p:ph type="title"/>
+          </p:nvPr>
+        </p:nvSpPr>
+        <p:spPr/>
+        <p:txBody>
+          <a:bodyPr/>
+          <a:lstStyle/>
+          <a:p>
+            <a:endParaRPr lang="hu-HU"/>
+          </a:p>
+        </p:txBody>
+      </p:sp>
+      <p:pic>
+        <p:nvPicPr>
+          <p:cNvPr id="4098" name="Picture 2"/>
+          <p:cNvPicPr>
+            <a:picLocks noChangeAspect="1" noChangeArrowheads="1"/>
+          </p:cNvPicPr>
+          <p:nvPr/>
+        </p:nvPicPr>
+        <p:blipFill>
+          <a:blip r:embed="rId2"/>
+          <a:srcRect/>
+          <a:stretch>
+            <a:fillRect/>
+          </a:stretch>
+        </p:blipFill>
+        <p:spPr bwMode="auto">
+          <a:xfrm>
+            <a:off x="1285852" y="142852"/>
+            <a:ext cx="4815776" cy="2162185"/>
+          </a:xfrm>
+          <a:prstGeom prst="rect">
+            <a:avLst/>
+          </a:prstGeom>
+          <a:noFill/>
+          <a:ln w="9525">
+            <a:noFill/>
+            <a:miter lim="800000"/>
+            <a:headEnd/>
+            <a:tailEnd/>
+          </a:ln>
+          <a:effectLst/>
+        </p:spPr>
+      </p:pic>
+      <p:pic>
+        <p:nvPicPr>
+          <p:cNvPr id="4099" name="Picture 3"/>
+          <p:cNvPicPr>
+            <a:picLocks noGrp="1" noChangeAspect="1" noChangeArrowheads="1"/>
+          </p:cNvPicPr>
+          <p:nvPr>
+            <p:ph sz="quarter" idx="1"/>
+          </p:nvPr>
+        </p:nvPicPr>
+        <p:blipFill>
+          <a:blip r:embed="rId3"/>
+          <a:srcRect/>
+          <a:stretch>
+            <a:fillRect/>
+          </a:stretch>
+        </p:blipFill>
+        <p:spPr bwMode="auto">
+          <a:xfrm>
+            <a:off x="1285852" y="2357430"/>
+            <a:ext cx="5791200" cy="3895725"/>
+          </a:xfrm>
+          <a:prstGeom prst="rect">
+            <a:avLst/>
+          </a:prstGeom>
+          <a:noFill/>
+          <a:ln w="9525">
+            <a:noFill/>
+            <a:miter lim="800000"/>
+            <a:headEnd/>
+            <a:tailEnd/>
+          </a:ln>
+          <a:effectLst/>
+        </p:spPr>
+      </p:pic>
+      <p:sp>
+        <p:nvSpPr>
+          <p:cNvPr id="6" name="TextBox 5"/>
+          <p:cNvSpPr txBox="1"/>
+          <p:nvPr/>
+        </p:nvSpPr>
+        <p:spPr>
+          <a:xfrm>
+            <a:off x="4214810" y="6273225"/>
+            <a:ext cx="4714908" cy="584775"/>
+          </a:xfrm>
+          <a:prstGeom prst="rect">
+            <a:avLst/>
+          </a:prstGeom>
+          <a:noFill/>
+        </p:spPr>
+        <p:txBody>
+          <a:bodyPr wrap="square" rtlCol="0">
+            <a:spAutoFit/>
+          </a:bodyPr>
+          <a:lstStyle/>
+          <a:p>
+            <a:pPr algn="ctr"/>
+            <a:r>
+              <a:rPr lang="hu-HU" sz="1600" dirty="0" smtClean="0">
+                <a:latin typeface="Bahnschrift Light" pitchFamily="34" charset="0"/>
+              </a:rPr>
+              <a:t>Alexandra Rujzam</a:t>
+            </a:r>
+            <a:br>
+              <a:rPr lang="hu-HU" sz="1600" dirty="0" smtClean="0">
+                <a:latin typeface="Bahnschrift Light" pitchFamily="34" charset="0"/>
+              </a:rPr>
+            </a:br>
+            <a:r>
+              <a:rPr lang="hu-HU" sz="1600" dirty="0" smtClean="0">
+                <a:latin typeface="Bahnschrift Light" pitchFamily="34" charset="0"/>
+              </a:rPr>
+              <a:t>https</a:t>
+            </a:r>
+            <a:r>
+              <a:rPr lang="hu-HU" sz="1600" dirty="0" smtClean="0">
+                <a:latin typeface="Bahnschrift Light" pitchFamily="34" charset="0"/>
+              </a:rPr>
+              <a:t>://github.com/greenfox-academy/szapszap</a:t>
+            </a:r>
+            <a:endParaRPr lang="hu-HU" sz="1600" dirty="0">
+              <a:latin typeface="Bahnschrift Light" pitchFamily="34" charset="0"/>
+            </a:endParaRPr>
+          </a:p>
+        </p:txBody>
+      </p:sp>
+      <p:pic>
+        <p:nvPicPr>
+          <p:cNvPr id="4101" name="Picture 5"/>
+          <p:cNvPicPr>
+            <a:picLocks noChangeAspect="1" noChangeArrowheads="1"/>
+          </p:cNvPicPr>
+          <p:nvPr/>
+        </p:nvPicPr>
+        <p:blipFill>
+          <a:blip r:embed="rId4"/>
+          <a:srcRect/>
+          <a:stretch>
+            <a:fillRect/>
+          </a:stretch>
+        </p:blipFill>
+        <p:spPr bwMode="auto">
+          <a:xfrm>
+            <a:off x="6500826" y="428604"/>
+            <a:ext cx="2009775" cy="1952625"/>
+          </a:xfrm>
+          <a:prstGeom prst="rect">
+            <a:avLst/>
+          </a:prstGeom>
+          <a:noFill/>
+          <a:ln w="9525">
+            <a:noFill/>
+            <a:miter lim="800000"/>
+            <a:headEnd/>
+            <a:tailEnd/>
+          </a:ln>
+          <a:effectLst/>
+        </p:spPr>
+      </p:pic>
+    </p:spTree>
+  </p:cSld>
+  <p:clrMapOvr>
+    <a:masterClrMapping/>
+  </p:clrMapOvr>
+  <p:timing>
+    <p:tnLst>
+      <p:par>
+        <p:cTn id="1" dur="indefinite" restart="never" nodeType="tmRoot"/>
+      </p:par>
+    </p:tnLst>
+  </p:timing>
 </p:sld>
 </file>
 
